--- a/Desenvolvimento Back-end e Design Patterns/Semestre2/21 - JDBC II.pptx
+++ b/Desenvolvimento Back-end e Design Patterns/Semestre2/21 - JDBC II.pptx
@@ -233,7 +233,7 @@
           <a:p>
             <a:fld id="{0F498697-E7EB-B84D-9726-13965ED94444}" type="datetimeFigureOut">
               <a:rPr lang="en-US" smtClean="0"/>
-              <a:t>9/20/2016</a:t>
+              <a:t>9/8/2016</a:t>
             </a:fld>
             <a:endParaRPr lang="en-US"/>
           </a:p>
@@ -1128,7 +1128,7 @@
             <a:fld id="{107B2651-F9F0-4019-B100-93C85F8E2C26}" type="datetimeFigureOut">
               <a:rPr lang="pt-BR" smtClean="0"/>
               <a:pPr/>
-              <a:t>20/09/2016</a:t>
+              <a:t>08/09/2016</a:t>
             </a:fld>
             <a:endParaRPr lang="pt-BR"/>
           </a:p>
@@ -1248,7 +1248,7 @@
             <a:fld id="{107B2651-F9F0-4019-B100-93C85F8E2C26}" type="datetimeFigureOut">
               <a:rPr lang="pt-BR" smtClean="0"/>
               <a:pPr/>
-              <a:t>20/09/2016</a:t>
+              <a:t>08/09/2016</a:t>
             </a:fld>
             <a:endParaRPr lang="pt-BR"/>
           </a:p>
@@ -1345,7 +1345,7 @@
             <a:fld id="{107B2651-F9F0-4019-B100-93C85F8E2C26}" type="datetimeFigureOut">
               <a:rPr lang="pt-BR" smtClean="0"/>
               <a:pPr/>
-              <a:t>20/09/2016</a:t>
+              <a:t>08/09/2016</a:t>
             </a:fld>
             <a:endParaRPr lang="pt-BR"/>
           </a:p>
@@ -1624,7 +1624,7 @@
             <a:fld id="{107B2651-F9F0-4019-B100-93C85F8E2C26}" type="datetimeFigureOut">
               <a:rPr lang="pt-BR" smtClean="0"/>
               <a:pPr/>
-              <a:t>20/09/2016</a:t>
+              <a:t>08/09/2016</a:t>
             </a:fld>
             <a:endParaRPr lang="pt-BR"/>
           </a:p>
@@ -1883,7 +1883,7 @@
             <a:fld id="{107B2651-F9F0-4019-B100-93C85F8E2C26}" type="datetimeFigureOut">
               <a:rPr lang="pt-BR" smtClean="0"/>
               <a:pPr/>
-              <a:t>20/09/2016</a:t>
+              <a:t>08/09/2016</a:t>
             </a:fld>
             <a:endParaRPr lang="pt-BR"/>
           </a:p>
@@ -2055,7 +2055,7 @@
             <a:fld id="{107B2651-F9F0-4019-B100-93C85F8E2C26}" type="datetimeFigureOut">
               <a:rPr lang="pt-BR" smtClean="0"/>
               <a:pPr/>
-              <a:t>20/09/2016</a:t>
+              <a:t>08/09/2016</a:t>
             </a:fld>
             <a:endParaRPr lang="pt-BR"/>
           </a:p>
@@ -2237,7 +2237,7 @@
             <a:fld id="{107B2651-F9F0-4019-B100-93C85F8E2C26}" type="datetimeFigureOut">
               <a:rPr lang="pt-BR" smtClean="0"/>
               <a:pPr/>
-              <a:t>20/09/2016</a:t>
+              <a:t>08/09/2016</a:t>
             </a:fld>
             <a:endParaRPr lang="pt-BR"/>
           </a:p>
@@ -2615,7 +2615,7 @@
           <a:p>
             <a:fld id="{B449D725-AF79-4FB6-8D02-83EAC61E3211}" type="datetimeFigureOut">
               <a:rPr lang="en-US" smtClean="0"/>
-              <a:t>9/20/2016</a:t>
+              <a:t>9/8/2016</a:t>
             </a:fld>
             <a:endParaRPr lang="en-US"/>
           </a:p>
@@ -2786,7 +2786,7 @@
             <a:fld id="{22DC2E43-1104-4361-9C00-4DD9ABBC5D8F}" type="datetimeFigureOut">
               <a:rPr lang="pt-BR" smtClean="0"/>
               <a:pPr/>
-              <a:t>20/09/2016</a:t>
+              <a:t>08/09/2016</a:t>
             </a:fld>
             <a:endParaRPr lang="pt-BR"/>
           </a:p>
@@ -3063,7 +3063,7 @@
           <a:p>
             <a:fld id="{B449D725-AF79-4FB6-8D02-83EAC61E3211}" type="datetimeFigureOut">
               <a:rPr lang="en-US" smtClean="0"/>
-              <a:t>9/20/2016</a:t>
+              <a:t>9/8/2016</a:t>
             </a:fld>
             <a:endParaRPr lang="en-US"/>
           </a:p>
@@ -3352,7 +3352,7 @@
             <a:fld id="{22DC2E43-1104-4361-9C00-4DD9ABBC5D8F}" type="datetimeFigureOut">
               <a:rPr lang="pt-BR" smtClean="0"/>
               <a:pPr/>
-              <a:t>20/09/2016</a:t>
+              <a:t>08/09/2016</a:t>
             </a:fld>
             <a:endParaRPr lang="pt-BR"/>
           </a:p>
@@ -3776,7 +3776,7 @@
             <a:fld id="{22DC2E43-1104-4361-9C00-4DD9ABBC5D8F}" type="datetimeFigureOut">
               <a:rPr lang="pt-BR" smtClean="0"/>
               <a:pPr/>
-              <a:t>20/09/2016</a:t>
+              <a:t>08/09/2016</a:t>
             </a:fld>
             <a:endParaRPr lang="pt-BR"/>
           </a:p>
@@ -3896,7 +3896,7 @@
             <a:fld id="{22DC2E43-1104-4361-9C00-4DD9ABBC5D8F}" type="datetimeFigureOut">
               <a:rPr lang="pt-BR" smtClean="0"/>
               <a:pPr/>
-              <a:t>20/09/2016</a:t>
+              <a:t>08/09/2016</a:t>
             </a:fld>
             <a:endParaRPr lang="pt-BR"/>
           </a:p>
@@ -3992,7 +3992,7 @@
           <a:p>
             <a:fld id="{D140825E-4A15-4D39-8176-1F07E904CB30}" type="datetimeFigureOut">
               <a:rPr lang="en-US" smtClean="0"/>
-              <a:t>9/20/2016</a:t>
+              <a:t>9/8/2016</a:t>
             </a:fld>
             <a:endParaRPr lang="en-US"/>
           </a:p>
@@ -4270,7 +4270,7 @@
             <a:fld id="{22DC2E43-1104-4361-9C00-4DD9ABBC5D8F}" type="datetimeFigureOut">
               <a:rPr lang="pt-BR" smtClean="0"/>
               <a:pPr/>
-              <a:t>20/09/2016</a:t>
+              <a:t>08/09/2016</a:t>
             </a:fld>
             <a:endParaRPr lang="pt-BR"/>
           </a:p>
@@ -4525,7 +4525,7 @@
             <a:fld id="{22DC2E43-1104-4361-9C00-4DD9ABBC5D8F}" type="datetimeFigureOut">
               <a:rPr lang="pt-BR" smtClean="0"/>
               <a:pPr/>
-              <a:t>20/09/2016</a:t>
+              <a:t>08/09/2016</a:t>
             </a:fld>
             <a:endParaRPr lang="pt-BR"/>
           </a:p>
@@ -4697,7 +4697,7 @@
             <a:fld id="{22DC2E43-1104-4361-9C00-4DD9ABBC5D8F}" type="datetimeFigureOut">
               <a:rPr lang="pt-BR" smtClean="0"/>
               <a:pPr/>
-              <a:t>20/09/2016</a:t>
+              <a:t>08/09/2016</a:t>
             </a:fld>
             <a:endParaRPr lang="pt-BR"/>
           </a:p>
@@ -4879,7 +4879,7 @@
             <a:fld id="{22DC2E43-1104-4361-9C00-4DD9ABBC5D8F}" type="datetimeFigureOut">
               <a:rPr lang="pt-BR" smtClean="0"/>
               <a:pPr/>
-              <a:t>20/09/2016</a:t>
+              <a:t>08/09/2016</a:t>
             </a:fld>
             <a:endParaRPr lang="pt-BR"/>
           </a:p>
@@ -5545,7 +5545,7 @@
             <a:fld id="{107B2651-F9F0-4019-B100-93C85F8E2C26}" type="datetimeFigureOut">
               <a:rPr lang="pt-BR" smtClean="0"/>
               <a:pPr/>
-              <a:t>20/09/2016</a:t>
+              <a:t>08/09/2016</a:t>
             </a:fld>
             <a:endParaRPr lang="pt-BR"/>
           </a:p>
@@ -5717,7 +5717,7 @@
             <a:fld id="{107B2651-F9F0-4019-B100-93C85F8E2C26}" type="datetimeFigureOut">
               <a:rPr lang="pt-BR" smtClean="0"/>
               <a:pPr/>
-              <a:t>20/09/2016</a:t>
+              <a:t>08/09/2016</a:t>
             </a:fld>
             <a:endParaRPr lang="pt-BR"/>
           </a:p>
@@ -5965,7 +5965,7 @@
             <a:fld id="{107B2651-F9F0-4019-B100-93C85F8E2C26}" type="datetimeFigureOut">
               <a:rPr lang="pt-BR" smtClean="0"/>
               <a:pPr/>
-              <a:t>20/09/2016</a:t>
+              <a:t>08/09/2016</a:t>
             </a:fld>
             <a:endParaRPr lang="pt-BR"/>
           </a:p>
@@ -6255,7 +6255,7 @@
             <a:fld id="{107B2651-F9F0-4019-B100-93C85F8E2C26}" type="datetimeFigureOut">
               <a:rPr lang="pt-BR" smtClean="0"/>
               <a:pPr/>
-              <a:t>20/09/2016</a:t>
+              <a:t>08/09/2016</a:t>
             </a:fld>
             <a:endParaRPr lang="pt-BR"/>
           </a:p>
@@ -6470,7 +6470,7 @@
             <a:fld id="{22DC2E43-1104-4361-9C00-4DD9ABBC5D8F}" type="datetimeFigureOut">
               <a:rPr lang="pt-BR" smtClean="0"/>
               <a:pPr/>
-              <a:t>20/09/2016</a:t>
+              <a:t>08/09/2016</a:t>
             </a:fld>
             <a:endParaRPr lang="pt-BR"/>
           </a:p>
@@ -6995,7 +6995,7 @@
             <a:fld id="{C2F66E0A-C854-4299-A8D3-265B33E61F69}" type="datetimeFigureOut">
               <a:rPr lang="pt-BR" smtClean="0"/>
               <a:pPr/>
-              <a:t>20/09/2016</a:t>
+              <a:t>08/09/2016</a:t>
             </a:fld>
             <a:endParaRPr lang="pt-BR"/>
           </a:p>
@@ -7518,7 +7518,7 @@
             <a:fld id="{53B5FC2F-4F59-4DA4-9C31-80974F5350D2}" type="datetimeFigureOut">
               <a:rPr lang="pt-BR" smtClean="0"/>
               <a:pPr/>
-              <a:t>20/09/2016</a:t>
+              <a:t>08/09/2016</a:t>
             </a:fld>
             <a:endParaRPr lang="pt-BR"/>
           </a:p>
@@ -8041,7 +8041,7 @@
             <a:fld id="{107B2651-F9F0-4019-B100-93C85F8E2C26}" type="datetimeFigureOut">
               <a:rPr lang="pt-BR" smtClean="0"/>
               <a:pPr/>
-              <a:t>20/09/2016</a:t>
+              <a:t>08/09/2016</a:t>
             </a:fld>
             <a:endParaRPr lang="pt-BR"/>
           </a:p>
@@ -8554,7 +8554,7 @@
             <a:fld id="{22DC2E43-1104-4361-9C00-4DD9ABBC5D8F}" type="datetimeFigureOut">
               <a:rPr lang="pt-BR" smtClean="0"/>
               <a:pPr/>
-              <a:t>20/09/2016</a:t>
+              <a:t>08/09/2016</a:t>
             </a:fld>
             <a:endParaRPr lang="pt-BR"/>
           </a:p>
@@ -12982,21 +12982,8 @@
             </a:r>
             <a:r>
               <a:rPr lang="pt-BR" altLang="pt-BR" sz="2800" dirty="0"/>
-              <a:t>projeto </a:t>
-            </a:r>
-            <a:r>
-              <a:rPr lang="pt-BR" altLang="pt-BR" sz="2800" dirty="0" smtClean="0"/>
-              <a:t>“</a:t>
-            </a:r>
-            <a:r>
-              <a:rPr lang="pt-BR" altLang="pt-BR" sz="2800" dirty="0" smtClean="0"/>
-              <a:t>EXCECAO</a:t>
-            </a:r>
-            <a:r>
-              <a:rPr lang="pt-BR" altLang="pt-BR" sz="2800" dirty="0" smtClean="0"/>
-              <a:t>":</a:t>
-            </a:r>
-            <a:endParaRPr lang="pt-BR" altLang="pt-BR" sz="2800" dirty="0"/>
+              <a:t>projeto "PROJETO":</a:t>
+            </a:r>
           </a:p>
           <a:p>
             <a:pPr marL="3175" indent="0" algn="just">
@@ -13894,7 +13881,17 @@
                 <a:latin typeface="Gotham-Bold"/>
                 <a:cs typeface="Gotham-Bold"/>
               </a:rPr>
-              <a:t>21. JDBC II</a:t>
+              <a:t>21. </a:t>
+            </a:r>
+            <a:r>
+              <a:rPr lang="en-US" sz="5400" dirty="0" smtClean="0">
+                <a:solidFill>
+                  <a:srgbClr val="FFFFFF"/>
+                </a:solidFill>
+                <a:latin typeface="Gotham-Bold"/>
+                <a:cs typeface="Gotham-Bold"/>
+              </a:rPr>
+              <a:t>JDBC II</a:t>
             </a:r>
             <a:endParaRPr lang="en-US" sz="5400" dirty="0">
               <a:solidFill>
